--- a/Wage-Gap-Capstone.pptx
+++ b/Wage-Gap-Capstone.pptx
@@ -231,7 +231,7 @@
           <a:p>
             <a:fld id="{D08939A9-F7F4-4ABA-B53D-5991DD400101}" type="datetimeFigureOut">
               <a:rPr lang="en-ID" smtClean="0"/>
-              <a:t>29/11/2021</a:t>
+              <a:t>30/11/2021</a:t>
             </a:fld>
             <a:endParaRPr lang="en-ID"/>
           </a:p>
@@ -1289,7 +1289,7 @@
           <p:cNvPr id="7" name="Picture Placeholder 6">
             <a:extLst>
               <a:ext uri="{FF2B5EF4-FFF2-40B4-BE49-F238E27FC236}">
-                <a16:creationId xmlns="" xmlns:a16="http://schemas.microsoft.com/office/drawing/2014/main" id="{63C1F2A1-9ADA-4E4F-A711-3EC4FA1C0C70}"/>
+                <a16:creationId xmlns:a16="http://schemas.microsoft.com/office/drawing/2014/main" xmlns="" id="{63C1F2A1-9ADA-4E4F-A711-3EC4FA1C0C70}"/>
               </a:ext>
             </a:extLst>
           </p:cNvPr>
@@ -1591,7 +1591,7 @@
           <p:cNvPr id="16" name="Picture Placeholder 15">
             <a:extLst>
               <a:ext uri="{FF2B5EF4-FFF2-40B4-BE49-F238E27FC236}">
-                <a16:creationId xmlns="" xmlns:a16="http://schemas.microsoft.com/office/drawing/2014/main" id="{4295451D-D950-48EE-9D87-B1B0299599AC}"/>
+                <a16:creationId xmlns:a16="http://schemas.microsoft.com/office/drawing/2014/main" xmlns="" id="{4295451D-D950-48EE-9D87-B1B0299599AC}"/>
               </a:ext>
             </a:extLst>
           </p:cNvPr>
@@ -1783,7 +1783,7 @@
           <p:cNvPr id="19" name="Picture Placeholder 18">
             <a:extLst>
               <a:ext uri="{FF2B5EF4-FFF2-40B4-BE49-F238E27FC236}">
-                <a16:creationId xmlns="" xmlns:a16="http://schemas.microsoft.com/office/drawing/2014/main" id="{81D976EE-2306-4D46-88A6-1A6B3CE78D2D}"/>
+                <a16:creationId xmlns:a16="http://schemas.microsoft.com/office/drawing/2014/main" xmlns="" id="{81D976EE-2306-4D46-88A6-1A6B3CE78D2D}"/>
               </a:ext>
             </a:extLst>
           </p:cNvPr>
@@ -1975,7 +1975,7 @@
           <p:cNvPr id="22" name="Picture Placeholder 21">
             <a:extLst>
               <a:ext uri="{FF2B5EF4-FFF2-40B4-BE49-F238E27FC236}">
-                <a16:creationId xmlns="" xmlns:a16="http://schemas.microsoft.com/office/drawing/2014/main" id="{96681940-ACBA-4284-A9F8-F5652AC1538F}"/>
+                <a16:creationId xmlns:a16="http://schemas.microsoft.com/office/drawing/2014/main" xmlns="" id="{96681940-ACBA-4284-A9F8-F5652AC1538F}"/>
               </a:ext>
             </a:extLst>
           </p:cNvPr>
@@ -2364,7 +2364,7 @@
           <p:cNvPr id="8" name="Picture Placeholder 7">
             <a:extLst>
               <a:ext uri="{FF2B5EF4-FFF2-40B4-BE49-F238E27FC236}">
-                <a16:creationId xmlns="" xmlns:a16="http://schemas.microsoft.com/office/drawing/2014/main" id="{86A27681-DC4A-4F4F-A1BC-39EC85766252}"/>
+                <a16:creationId xmlns:a16="http://schemas.microsoft.com/office/drawing/2014/main" xmlns="" id="{86A27681-DC4A-4F4F-A1BC-39EC85766252}"/>
               </a:ext>
             </a:extLst>
           </p:cNvPr>
@@ -6232,8 +6232,23 @@
                 </a:solidFill>
                 <a:latin typeface="Garamond" panose="02020404030301010803" pitchFamily="18" charset="0"/>
               </a:rPr>
-              <a:t>Project 4: Capstone</a:t>
+              <a:t>Group 2: </a:t>
             </a:r>
+            <a:r>
+              <a:rPr lang="en-US" sz="2400" b="1" smtClean="0">
+                <a:solidFill>
+                  <a:schemeClr val="bg1"/>
+                </a:solidFill>
+                <a:latin typeface="Garamond" panose="02020404030301010803" pitchFamily="18" charset="0"/>
+              </a:rPr>
+              <a:t>Project 4</a:t>
+            </a:r>
+            <a:endParaRPr lang="en-US" sz="2400" b="1" dirty="0" smtClean="0">
+              <a:solidFill>
+                <a:schemeClr val="bg1"/>
+              </a:solidFill>
+              <a:latin typeface="Garamond" panose="02020404030301010803" pitchFamily="18" charset="0"/>
+            </a:endParaRPr>
           </a:p>
           <a:p>
             <a:pPr algn="r"/>
@@ -6329,7 +6344,7 @@
           <p:cNvPr id="5" name="Picture Placeholder 4">
             <a:extLst>
               <a:ext uri="{FF2B5EF4-FFF2-40B4-BE49-F238E27FC236}">
-                <a16:creationId xmlns="" xmlns:a16="http://schemas.microsoft.com/office/drawing/2014/main" id="{67B5F51A-BB5A-4DB4-B97D-17130161204D}"/>
+                <a16:creationId xmlns:a16="http://schemas.microsoft.com/office/drawing/2014/main" xmlns="" id="{67B5F51A-BB5A-4DB4-B97D-17130161204D}"/>
               </a:ext>
             </a:extLst>
           </p:cNvPr>
@@ -6405,7 +6420,7 @@
           <p:cNvPr id="9" name="TextBox 8">
             <a:extLst>
               <a:ext uri="{FF2B5EF4-FFF2-40B4-BE49-F238E27FC236}">
-                <a16:creationId xmlns="" xmlns:a16="http://schemas.microsoft.com/office/drawing/2014/main" id="{CC32AC8F-29D3-42FE-938C-AB16C6F2983C}"/>
+                <a16:creationId xmlns:a16="http://schemas.microsoft.com/office/drawing/2014/main" xmlns="" id="{CC32AC8F-29D3-42FE-938C-AB16C6F2983C}"/>
               </a:ext>
             </a:extLst>
           </p:cNvPr>
@@ -6849,7 +6864,7 @@
           <p:cNvPr id="5" name="Picture Placeholder 4">
             <a:extLst>
               <a:ext uri="{FF2B5EF4-FFF2-40B4-BE49-F238E27FC236}">
-                <a16:creationId xmlns="" xmlns:a16="http://schemas.microsoft.com/office/drawing/2014/main" id="{6C3E0ED0-BCEF-43DD-BE63-8D40DCFBD67B}"/>
+                <a16:creationId xmlns:a16="http://schemas.microsoft.com/office/drawing/2014/main" xmlns="" id="{6C3E0ED0-BCEF-43DD-BE63-8D40DCFBD67B}"/>
               </a:ext>
             </a:extLst>
           </p:cNvPr>
@@ -7498,7 +7513,7 @@
             <a:hlinkClick r:id="rId3"/>
             <a:extLst>
               <a:ext uri="{FF2B5EF4-FFF2-40B4-BE49-F238E27FC236}">
-                <a16:creationId xmlns="" xmlns:a16="http://schemas.microsoft.com/office/drawing/2014/main" id="{2709F9CD-6DDF-480C-90B6-37073F637B15}"/>
+                <a16:creationId xmlns:a16="http://schemas.microsoft.com/office/drawing/2014/main" xmlns="" id="{2709F9CD-6DDF-480C-90B6-37073F637B15}"/>
               </a:ext>
             </a:extLst>
           </p:cNvPr>
@@ -7574,7 +7589,7 @@
           <p:cNvPr id="12" name="TextBox 11">
             <a:extLst>
               <a:ext uri="{FF2B5EF4-FFF2-40B4-BE49-F238E27FC236}">
-                <a16:creationId xmlns="" xmlns:a16="http://schemas.microsoft.com/office/drawing/2014/main" id="{CC32AC8F-29D3-42FE-938C-AB16C6F2983C}"/>
+                <a16:creationId xmlns:a16="http://schemas.microsoft.com/office/drawing/2014/main" xmlns="" id="{CC32AC8F-29D3-42FE-938C-AB16C6F2983C}"/>
               </a:ext>
             </a:extLst>
           </p:cNvPr>
@@ -7730,12 +7745,6 @@
               </a:rPr>
               <a:t>can achieve at least 80% accuracy in our machine learning model. </a:t>
             </a:r>
-            <a:endParaRPr lang="en-US" dirty="0">
-              <a:solidFill>
-                <a:schemeClr val="bg1"/>
-              </a:solidFill>
-              <a:latin typeface="Garamond" panose="02020404030301010803" pitchFamily="18" charset="0"/>
-            </a:endParaRPr>
           </a:p>
         </p:txBody>
       </p:sp>
@@ -8354,7 +8363,7 @@
           <p:cNvPr id="7" name="Picture Placeholder 6">
             <a:extLst>
               <a:ext uri="{FF2B5EF4-FFF2-40B4-BE49-F238E27FC236}">
-                <a16:creationId xmlns="" xmlns:a16="http://schemas.microsoft.com/office/drawing/2014/main" id="{21B72BFA-680E-4DD1-AA7D-C42C61960760}"/>
+                <a16:creationId xmlns:a16="http://schemas.microsoft.com/office/drawing/2014/main" xmlns="" id="{21B72BFA-680E-4DD1-AA7D-C42C61960760}"/>
               </a:ext>
             </a:extLst>
           </p:cNvPr>
@@ -8429,7 +8438,7 @@
           <p:cNvPr id="32" name="TextBox 31">
             <a:extLst>
               <a:ext uri="{FF2B5EF4-FFF2-40B4-BE49-F238E27FC236}">
-                <a16:creationId xmlns="" xmlns:a16="http://schemas.microsoft.com/office/drawing/2014/main" id="{CC32AC8F-29D3-42FE-938C-AB16C6F2983C}"/>
+                <a16:creationId xmlns:a16="http://schemas.microsoft.com/office/drawing/2014/main" xmlns="" id="{CC32AC8F-29D3-42FE-938C-AB16C6F2983C}"/>
               </a:ext>
             </a:extLst>
           </p:cNvPr>
@@ -8570,7 +8579,7 @@
           <p:cNvPr id="15" name="Hexagon 14">
             <a:extLst>
               <a:ext uri="{FF2B5EF4-FFF2-40B4-BE49-F238E27FC236}">
-                <a16:creationId xmlns="" xmlns:a16="http://schemas.microsoft.com/office/drawing/2014/main" id="{2869EE9B-6070-46CF-925B-6F7407D029B7}"/>
+                <a16:creationId xmlns:a16="http://schemas.microsoft.com/office/drawing/2014/main" xmlns="" id="{2869EE9B-6070-46CF-925B-6F7407D029B7}"/>
               </a:ext>
             </a:extLst>
           </p:cNvPr>
@@ -9021,7 +9030,7 @@
           <p:cNvPr id="34" name="Hexagon 33">
             <a:extLst>
               <a:ext uri="{FF2B5EF4-FFF2-40B4-BE49-F238E27FC236}">
-                <a16:creationId xmlns="" xmlns:a16="http://schemas.microsoft.com/office/drawing/2014/main" id="{69D28CA9-2E0A-4BE1-A400-A4A55513FB12}"/>
+                <a16:creationId xmlns:a16="http://schemas.microsoft.com/office/drawing/2014/main" xmlns="" id="{69D28CA9-2E0A-4BE1-A400-A4A55513FB12}"/>
               </a:ext>
             </a:extLst>
           </p:cNvPr>
@@ -9077,7 +9086,7 @@
           <p:cNvPr id="25" name="Picture Placeholder 24">
             <a:extLst>
               <a:ext uri="{FF2B5EF4-FFF2-40B4-BE49-F238E27FC236}">
-                <a16:creationId xmlns="" xmlns:a16="http://schemas.microsoft.com/office/drawing/2014/main" id="{DAC917E3-E54A-4644-BC5A-30EEE1C001E9}"/>
+                <a16:creationId xmlns:a16="http://schemas.microsoft.com/office/drawing/2014/main" xmlns="" id="{DAC917E3-E54A-4644-BC5A-30EEE1C001E9}"/>
               </a:ext>
             </a:extLst>
           </p:cNvPr>
@@ -9112,7 +9121,7 @@
           <p:cNvPr id="28" name="Picture Placeholder 27">
             <a:extLst>
               <a:ext uri="{FF2B5EF4-FFF2-40B4-BE49-F238E27FC236}">
-                <a16:creationId xmlns="" xmlns:a16="http://schemas.microsoft.com/office/drawing/2014/main" id="{FED711D9-7B2B-4CDC-B1D9-C6BD6762F5B1}"/>
+                <a16:creationId xmlns:a16="http://schemas.microsoft.com/office/drawing/2014/main" xmlns="" id="{FED711D9-7B2B-4CDC-B1D9-C6BD6762F5B1}"/>
               </a:ext>
             </a:extLst>
           </p:cNvPr>
@@ -9147,7 +9156,7 @@
           <p:cNvPr id="12" name="Picture Placeholder 11">
             <a:extLst>
               <a:ext uri="{FF2B5EF4-FFF2-40B4-BE49-F238E27FC236}">
-                <a16:creationId xmlns="" xmlns:a16="http://schemas.microsoft.com/office/drawing/2014/main" id="{3048EC3D-A1B6-4C24-A5D4-39F822942C1E}"/>
+                <a16:creationId xmlns:a16="http://schemas.microsoft.com/office/drawing/2014/main" xmlns="" id="{3048EC3D-A1B6-4C24-A5D4-39F822942C1E}"/>
               </a:ext>
             </a:extLst>
           </p:cNvPr>
@@ -9159,7 +9168,7 @@
           </p:nvPr>
         </p:nvPicPr>
         <p:blipFill>
-          <a:blip r:embed="rId4">
+          <a:blip r:embed="rId4" cstate="print">
             <a:extLst>
               <a:ext uri="{28A0092B-C50C-407E-A947-70E740481C1C}">
                 <a14:useLocalDpi xmlns:a14="http://schemas.microsoft.com/office/drawing/2010/main" val="0"/>
@@ -9624,7 +9633,7 @@
           <p:cNvPr id="23" name="Hexagon 22">
             <a:extLst>
               <a:ext uri="{FF2B5EF4-FFF2-40B4-BE49-F238E27FC236}">
-                <a16:creationId xmlns="" xmlns:a16="http://schemas.microsoft.com/office/drawing/2014/main" id="{98DFE31A-2BD8-4955-815F-B1317795BCDD}"/>
+                <a16:creationId xmlns:a16="http://schemas.microsoft.com/office/drawing/2014/main" xmlns="" id="{98DFE31A-2BD8-4955-815F-B1317795BCDD}"/>
               </a:ext>
             </a:extLst>
           </p:cNvPr>
@@ -9676,7 +9685,7 @@
           <p:cNvPr id="8" name="Picture Placeholder 7">
             <a:extLst>
               <a:ext uri="{FF2B5EF4-FFF2-40B4-BE49-F238E27FC236}">
-                <a16:creationId xmlns="" xmlns:a16="http://schemas.microsoft.com/office/drawing/2014/main" id="{097D0C8C-1A05-4F38-9733-487273C0206A}"/>
+                <a16:creationId xmlns:a16="http://schemas.microsoft.com/office/drawing/2014/main" xmlns="" id="{097D0C8C-1A05-4F38-9733-487273C0206A}"/>
               </a:ext>
             </a:extLst>
           </p:cNvPr>
@@ -9934,7 +9943,7 @@
           <p:cNvPr id="34" name="Hexagon 33">
             <a:extLst>
               <a:ext uri="{FF2B5EF4-FFF2-40B4-BE49-F238E27FC236}">
-                <a16:creationId xmlns="" xmlns:a16="http://schemas.microsoft.com/office/drawing/2014/main" id="{69D28CA9-2E0A-4BE1-A400-A4A55513FB12}"/>
+                <a16:creationId xmlns:a16="http://schemas.microsoft.com/office/drawing/2014/main" xmlns="" id="{69D28CA9-2E0A-4BE1-A400-A4A55513FB12}"/>
               </a:ext>
             </a:extLst>
           </p:cNvPr>
@@ -9986,7 +9995,7 @@
           <p:cNvPr id="25" name="Picture Placeholder 24">
             <a:extLst>
               <a:ext uri="{FF2B5EF4-FFF2-40B4-BE49-F238E27FC236}">
-                <a16:creationId xmlns="" xmlns:a16="http://schemas.microsoft.com/office/drawing/2014/main" id="{DAC917E3-E54A-4644-BC5A-30EEE1C001E9}"/>
+                <a16:creationId xmlns:a16="http://schemas.microsoft.com/office/drawing/2014/main" xmlns="" id="{DAC917E3-E54A-4644-BC5A-30EEE1C001E9}"/>
               </a:ext>
             </a:extLst>
           </p:cNvPr>
@@ -10021,7 +10030,7 @@
           <p:cNvPr id="28" name="Picture Placeholder 27">
             <a:extLst>
               <a:ext uri="{FF2B5EF4-FFF2-40B4-BE49-F238E27FC236}">
-                <a16:creationId xmlns="" xmlns:a16="http://schemas.microsoft.com/office/drawing/2014/main" id="{FED711D9-7B2B-4CDC-B1D9-C6BD6762F5B1}"/>
+                <a16:creationId xmlns:a16="http://schemas.microsoft.com/office/drawing/2014/main" xmlns="" id="{FED711D9-7B2B-4CDC-B1D9-C6BD6762F5B1}"/>
               </a:ext>
             </a:extLst>
           </p:cNvPr>
@@ -10056,7 +10065,7 @@
           <p:cNvPr id="12" name="Picture Placeholder 11">
             <a:extLst>
               <a:ext uri="{FF2B5EF4-FFF2-40B4-BE49-F238E27FC236}">
-                <a16:creationId xmlns="" xmlns:a16="http://schemas.microsoft.com/office/drawing/2014/main" id="{3048EC3D-A1B6-4C24-A5D4-39F822942C1E}"/>
+                <a16:creationId xmlns:a16="http://schemas.microsoft.com/office/drawing/2014/main" xmlns="" id="{3048EC3D-A1B6-4C24-A5D4-39F822942C1E}"/>
               </a:ext>
             </a:extLst>
           </p:cNvPr>

--- a/Wage-Gap-Capstone.pptx
+++ b/Wage-Gap-Capstone.pptx
@@ -1289,7 +1289,7 @@
           <p:cNvPr id="7" name="Picture Placeholder 6">
             <a:extLst>
               <a:ext uri="{FF2B5EF4-FFF2-40B4-BE49-F238E27FC236}">
-                <a16:creationId xmlns:a16="http://schemas.microsoft.com/office/drawing/2014/main" xmlns="" id="{63C1F2A1-9ADA-4E4F-A711-3EC4FA1C0C70}"/>
+                <a16:creationId xmlns="" xmlns:a16="http://schemas.microsoft.com/office/drawing/2014/main" id="{63C1F2A1-9ADA-4E4F-A711-3EC4FA1C0C70}"/>
               </a:ext>
             </a:extLst>
           </p:cNvPr>
@@ -1591,7 +1591,7 @@
           <p:cNvPr id="16" name="Picture Placeholder 15">
             <a:extLst>
               <a:ext uri="{FF2B5EF4-FFF2-40B4-BE49-F238E27FC236}">
-                <a16:creationId xmlns:a16="http://schemas.microsoft.com/office/drawing/2014/main" xmlns="" id="{4295451D-D950-48EE-9D87-B1B0299599AC}"/>
+                <a16:creationId xmlns="" xmlns:a16="http://schemas.microsoft.com/office/drawing/2014/main" id="{4295451D-D950-48EE-9D87-B1B0299599AC}"/>
               </a:ext>
             </a:extLst>
           </p:cNvPr>
@@ -1783,7 +1783,7 @@
           <p:cNvPr id="19" name="Picture Placeholder 18">
             <a:extLst>
               <a:ext uri="{FF2B5EF4-FFF2-40B4-BE49-F238E27FC236}">
-                <a16:creationId xmlns:a16="http://schemas.microsoft.com/office/drawing/2014/main" xmlns="" id="{81D976EE-2306-4D46-88A6-1A6B3CE78D2D}"/>
+                <a16:creationId xmlns="" xmlns:a16="http://schemas.microsoft.com/office/drawing/2014/main" id="{81D976EE-2306-4D46-88A6-1A6B3CE78D2D}"/>
               </a:ext>
             </a:extLst>
           </p:cNvPr>
@@ -1975,7 +1975,7 @@
           <p:cNvPr id="22" name="Picture Placeholder 21">
             <a:extLst>
               <a:ext uri="{FF2B5EF4-FFF2-40B4-BE49-F238E27FC236}">
-                <a16:creationId xmlns:a16="http://schemas.microsoft.com/office/drawing/2014/main" xmlns="" id="{96681940-ACBA-4284-A9F8-F5652AC1538F}"/>
+                <a16:creationId xmlns="" xmlns:a16="http://schemas.microsoft.com/office/drawing/2014/main" id="{96681940-ACBA-4284-A9F8-F5652AC1538F}"/>
               </a:ext>
             </a:extLst>
           </p:cNvPr>
@@ -2364,7 +2364,7 @@
           <p:cNvPr id="8" name="Picture Placeholder 7">
             <a:extLst>
               <a:ext uri="{FF2B5EF4-FFF2-40B4-BE49-F238E27FC236}">
-                <a16:creationId xmlns:a16="http://schemas.microsoft.com/office/drawing/2014/main" xmlns="" id="{86A27681-DC4A-4F4F-A1BC-39EC85766252}"/>
+                <a16:creationId xmlns="" xmlns:a16="http://schemas.microsoft.com/office/drawing/2014/main" id="{86A27681-DC4A-4F4F-A1BC-39EC85766252}"/>
               </a:ext>
             </a:extLst>
           </p:cNvPr>
@@ -6344,7 +6344,7 @@
           <p:cNvPr id="5" name="Picture Placeholder 4">
             <a:extLst>
               <a:ext uri="{FF2B5EF4-FFF2-40B4-BE49-F238E27FC236}">
-                <a16:creationId xmlns:a16="http://schemas.microsoft.com/office/drawing/2014/main" xmlns="" id="{67B5F51A-BB5A-4DB4-B97D-17130161204D}"/>
+                <a16:creationId xmlns="" xmlns:a16="http://schemas.microsoft.com/office/drawing/2014/main" id="{67B5F51A-BB5A-4DB4-B97D-17130161204D}"/>
               </a:ext>
             </a:extLst>
           </p:cNvPr>
@@ -6420,7 +6420,7 @@
           <p:cNvPr id="9" name="TextBox 8">
             <a:extLst>
               <a:ext uri="{FF2B5EF4-FFF2-40B4-BE49-F238E27FC236}">
-                <a16:creationId xmlns:a16="http://schemas.microsoft.com/office/drawing/2014/main" xmlns="" id="{CC32AC8F-29D3-42FE-938C-AB16C6F2983C}"/>
+                <a16:creationId xmlns="" xmlns:a16="http://schemas.microsoft.com/office/drawing/2014/main" id="{CC32AC8F-29D3-42FE-938C-AB16C6F2983C}"/>
               </a:ext>
             </a:extLst>
           </p:cNvPr>
@@ -6430,7 +6430,7 @@
         <p:spPr>
           <a:xfrm>
             <a:off x="7138218" y="897690"/>
-            <a:ext cx="4625229" cy="1338828"/>
+            <a:ext cx="4625229" cy="884216"/>
           </a:xfrm>
           <a:prstGeom prst="rect">
             <a:avLst/>
@@ -6451,27 +6451,33 @@
             <a:r>
               <a:rPr lang="en-US" dirty="0">
                 <a:solidFill>
-                  <a:schemeClr val="bg1"/>
+                  <a:srgbClr val="F3F3F3"/>
                 </a:solidFill>
                 <a:latin typeface="Garamond" panose="02020404030301010803" pitchFamily="18" charset="0"/>
               </a:rPr>
-              <a:t>As an all-female group in this Data Science Capstone Project, we wanted to analyze the wage gap in the workplace</a:t>
+              <a:t>The goal of this </a:t>
             </a:r>
             <a:r>
               <a:rPr lang="en-US" dirty="0" smtClean="0">
                 <a:solidFill>
-                  <a:schemeClr val="bg1"/>
+                  <a:srgbClr val="F3F3F3"/>
                 </a:solidFill>
                 <a:latin typeface="Garamond" panose="02020404030301010803" pitchFamily="18" charset="0"/>
               </a:rPr>
-              <a:t>..</a:t>
+              <a:t>project </a:t>
+            </a:r>
+            <a:r>
+              <a:rPr lang="en-US" dirty="0">
+                <a:solidFill>
+                  <a:srgbClr val="F3F3F3"/>
+                </a:solidFill>
+                <a:latin typeface="Garamond" panose="02020404030301010803" pitchFamily="18" charset="0"/>
+              </a:rPr>
+              <a:t>it to dive deeper into the very trendy topic of the "Gender Wage Gap."  </a:t>
             </a:r>
             <a:endParaRPr lang="en-US" dirty="0">
               <a:solidFill>
-                <a:schemeClr val="tx1">
-                  <a:lumMod val="65000"/>
-                  <a:lumOff val="35000"/>
-                </a:schemeClr>
+                <a:srgbClr val="F3F3F3"/>
               </a:solidFill>
               <a:latin typeface="Garamond" panose="02020404030301010803" pitchFamily="18" charset="0"/>
             </a:endParaRPr>
@@ -6864,7 +6870,7 @@
           <p:cNvPr id="5" name="Picture Placeholder 4">
             <a:extLst>
               <a:ext uri="{FF2B5EF4-FFF2-40B4-BE49-F238E27FC236}">
-                <a16:creationId xmlns:a16="http://schemas.microsoft.com/office/drawing/2014/main" xmlns="" id="{6C3E0ED0-BCEF-43DD-BE63-8D40DCFBD67B}"/>
+                <a16:creationId xmlns="" xmlns:a16="http://schemas.microsoft.com/office/drawing/2014/main" id="{6C3E0ED0-BCEF-43DD-BE63-8D40DCFBD67B}"/>
               </a:ext>
             </a:extLst>
           </p:cNvPr>
@@ -7513,7 +7519,7 @@
             <a:hlinkClick r:id="rId3"/>
             <a:extLst>
               <a:ext uri="{FF2B5EF4-FFF2-40B4-BE49-F238E27FC236}">
-                <a16:creationId xmlns:a16="http://schemas.microsoft.com/office/drawing/2014/main" xmlns="" id="{2709F9CD-6DDF-480C-90B6-37073F637B15}"/>
+                <a16:creationId xmlns="" xmlns:a16="http://schemas.microsoft.com/office/drawing/2014/main" id="{2709F9CD-6DDF-480C-90B6-37073F637B15}"/>
               </a:ext>
             </a:extLst>
           </p:cNvPr>
@@ -7589,7 +7595,7 @@
           <p:cNvPr id="12" name="TextBox 11">
             <a:extLst>
               <a:ext uri="{FF2B5EF4-FFF2-40B4-BE49-F238E27FC236}">
-                <a16:creationId xmlns:a16="http://schemas.microsoft.com/office/drawing/2014/main" xmlns="" id="{CC32AC8F-29D3-42FE-938C-AB16C6F2983C}"/>
+                <a16:creationId xmlns="" xmlns:a16="http://schemas.microsoft.com/office/drawing/2014/main" id="{CC32AC8F-29D3-42FE-938C-AB16C6F2983C}"/>
               </a:ext>
             </a:extLst>
           </p:cNvPr>
@@ -8291,14 +8297,16 @@
       </p:pic>
       <p:pic>
         <p:nvPicPr>
-          <p:cNvPr id="21" name="Picture 20"/>
+          <p:cNvPr id="21" name="Picture 20">
+            <a:hlinkClick r:id="rId7"/>
+          </p:cNvPr>
           <p:cNvPicPr>
             <a:picLocks noChangeAspect="1"/>
           </p:cNvPicPr>
           <p:nvPr/>
         </p:nvPicPr>
         <p:blipFill>
-          <a:blip r:embed="rId7"/>
+          <a:blip r:embed="rId8"/>
           <a:stretch>
             <a:fillRect/>
           </a:stretch>
@@ -8363,7 +8371,7 @@
           <p:cNvPr id="7" name="Picture Placeholder 6">
             <a:extLst>
               <a:ext uri="{FF2B5EF4-FFF2-40B4-BE49-F238E27FC236}">
-                <a16:creationId xmlns:a16="http://schemas.microsoft.com/office/drawing/2014/main" xmlns="" id="{21B72BFA-680E-4DD1-AA7D-C42C61960760}"/>
+                <a16:creationId xmlns="" xmlns:a16="http://schemas.microsoft.com/office/drawing/2014/main" id="{21B72BFA-680E-4DD1-AA7D-C42C61960760}"/>
               </a:ext>
             </a:extLst>
           </p:cNvPr>
@@ -8401,7 +8409,7 @@
         </p:nvSpPr>
         <p:spPr>
           <a:xfrm>
-            <a:off x="341325" y="3770030"/>
+            <a:off x="268523" y="184241"/>
             <a:ext cx="4046108" cy="769441"/>
           </a:xfrm>
           <a:prstGeom prst="rect">
@@ -8438,7 +8446,7 @@
           <p:cNvPr id="32" name="TextBox 31">
             <a:extLst>
               <a:ext uri="{FF2B5EF4-FFF2-40B4-BE49-F238E27FC236}">
-                <a16:creationId xmlns:a16="http://schemas.microsoft.com/office/drawing/2014/main" xmlns="" id="{CC32AC8F-29D3-42FE-938C-AB16C6F2983C}"/>
+                <a16:creationId xmlns="" xmlns:a16="http://schemas.microsoft.com/office/drawing/2014/main" id="{CC32AC8F-29D3-42FE-938C-AB16C6F2983C}"/>
               </a:ext>
             </a:extLst>
           </p:cNvPr>
@@ -8447,8 +8455,8 @@
         </p:nvSpPr>
         <p:spPr>
           <a:xfrm>
-            <a:off x="484001" y="1178178"/>
-            <a:ext cx="5862684" cy="1338828"/>
+            <a:off x="163581" y="2851855"/>
+            <a:ext cx="5862684" cy="2169825"/>
           </a:xfrm>
           <a:prstGeom prst="rect">
             <a:avLst/>
@@ -8517,7 +8525,52 @@
                 </a:solidFill>
                 <a:latin typeface="Garamond" panose="02020404030301010803" pitchFamily="18" charset="0"/>
               </a:rPr>
-              <a:t>Light Mode and Dark Mode Website</a:t>
+              <a:t>Light Mode and Dark Mode </a:t>
+            </a:r>
+            <a:r>
+              <a:rPr lang="en-US" dirty="0" smtClean="0">
+                <a:solidFill>
+                  <a:schemeClr val="bg1"/>
+                </a:solidFill>
+                <a:latin typeface="Garamond" panose="02020404030301010803" pitchFamily="18" charset="0"/>
+              </a:rPr>
+              <a:t>Website</a:t>
+            </a:r>
+          </a:p>
+          <a:p>
+            <a:pPr marL="285750" indent="-285750">
+              <a:lnSpc>
+                <a:spcPct val="150000"/>
+              </a:lnSpc>
+              <a:buFont typeface="Wingdings" panose="05000000000000000000" pitchFamily="2" charset="2"/>
+              <a:buChar char="Ø"/>
+            </a:pPr>
+            <a:r>
+              <a:rPr lang="en-US" dirty="0">
+                <a:solidFill>
+                  <a:srgbClr val="F3F3F3"/>
+                </a:solidFill>
+                <a:latin typeface="Garamond" panose="02020404030301010803" pitchFamily="18" charset="0"/>
+              </a:rPr>
+              <a:t>Utilize API on BLS website</a:t>
+            </a:r>
+          </a:p>
+          <a:p>
+            <a:pPr marL="285750" indent="-285750">
+              <a:lnSpc>
+                <a:spcPct val="150000"/>
+              </a:lnSpc>
+              <a:buFont typeface="Wingdings" panose="05000000000000000000" pitchFamily="2" charset="2"/>
+              <a:buChar char="Ø"/>
+            </a:pPr>
+            <a:r>
+              <a:rPr lang="en-US" dirty="0" smtClean="0">
+                <a:solidFill>
+                  <a:schemeClr val="bg1"/>
+                </a:solidFill>
+                <a:latin typeface="Garamond" panose="02020404030301010803" pitchFamily="18" charset="0"/>
+              </a:rPr>
+              <a:t>Further analyze female wages post childbearing age</a:t>
             </a:r>
             <a:endParaRPr lang="en-US" dirty="0">
               <a:solidFill>
@@ -8579,7 +8632,7 @@
           <p:cNvPr id="15" name="Hexagon 14">
             <a:extLst>
               <a:ext uri="{FF2B5EF4-FFF2-40B4-BE49-F238E27FC236}">
-                <a16:creationId xmlns:a16="http://schemas.microsoft.com/office/drawing/2014/main" xmlns="" id="{2869EE9B-6070-46CF-925B-6F7407D029B7}"/>
+                <a16:creationId xmlns="" xmlns:a16="http://schemas.microsoft.com/office/drawing/2014/main" id="{2869EE9B-6070-46CF-925B-6F7407D029B7}"/>
               </a:ext>
             </a:extLst>
           </p:cNvPr>
@@ -8636,7 +8689,7 @@
         </p:nvSpPr>
         <p:spPr>
           <a:xfrm>
-            <a:off x="484001" y="529024"/>
+            <a:off x="166075" y="2202308"/>
             <a:ext cx="4418646" cy="769441"/>
           </a:xfrm>
           <a:prstGeom prst="rect">
@@ -8724,8 +8777,8 @@
         </p:nvSpPr>
         <p:spPr>
           <a:xfrm>
-            <a:off x="484001" y="4539471"/>
-            <a:ext cx="5253122" cy="923330"/>
+            <a:off x="256116" y="927616"/>
+            <a:ext cx="5253122" cy="646331"/>
           </a:xfrm>
           <a:prstGeom prst="rect">
             <a:avLst/>
@@ -8764,14 +8817,8 @@
                 </a:solidFill>
                 <a:latin typeface="Garamond" panose="02020404030301010803" pitchFamily="18" charset="0"/>
               </a:rPr>
-              <a:t>Seek larger more recent datasets</a:t>
+              <a:t>Seek larger more recent </a:t>
             </a:r>
-          </a:p>
-          <a:p>
-            <a:pPr marL="285750" indent="-285750">
-              <a:buFont typeface="Wingdings" panose="05000000000000000000" pitchFamily="2" charset="2"/>
-              <a:buChar char="Ø"/>
-            </a:pPr>
             <a:r>
               <a:rPr lang="en-US" dirty="0" smtClean="0">
                 <a:solidFill>
@@ -8779,9 +8826,9 @@
                 </a:solidFill>
                 <a:latin typeface="Garamond" panose="02020404030301010803" pitchFamily="18" charset="0"/>
               </a:rPr>
-              <a:t>Utilize API on BLS website</a:t>
+              <a:t>datasets</a:t>
             </a:r>
-            <a:endParaRPr lang="en-US" dirty="0">
+            <a:endParaRPr lang="en-US" dirty="0" smtClean="0">
               <a:solidFill>
                 <a:srgbClr val="F3F3F3"/>
               </a:solidFill>
@@ -9030,7 +9077,7 @@
           <p:cNvPr id="34" name="Hexagon 33">
             <a:extLst>
               <a:ext uri="{FF2B5EF4-FFF2-40B4-BE49-F238E27FC236}">
-                <a16:creationId xmlns:a16="http://schemas.microsoft.com/office/drawing/2014/main" xmlns="" id="{69D28CA9-2E0A-4BE1-A400-A4A55513FB12}"/>
+                <a16:creationId xmlns="" xmlns:a16="http://schemas.microsoft.com/office/drawing/2014/main" id="{69D28CA9-2E0A-4BE1-A400-A4A55513FB12}"/>
               </a:ext>
             </a:extLst>
           </p:cNvPr>
@@ -9086,7 +9133,7 @@
           <p:cNvPr id="25" name="Picture Placeholder 24">
             <a:extLst>
               <a:ext uri="{FF2B5EF4-FFF2-40B4-BE49-F238E27FC236}">
-                <a16:creationId xmlns:a16="http://schemas.microsoft.com/office/drawing/2014/main" xmlns="" id="{DAC917E3-E54A-4644-BC5A-30EEE1C001E9}"/>
+                <a16:creationId xmlns="" xmlns:a16="http://schemas.microsoft.com/office/drawing/2014/main" id="{DAC917E3-E54A-4644-BC5A-30EEE1C001E9}"/>
               </a:ext>
             </a:extLst>
           </p:cNvPr>
@@ -9121,7 +9168,7 @@
           <p:cNvPr id="28" name="Picture Placeholder 27">
             <a:extLst>
               <a:ext uri="{FF2B5EF4-FFF2-40B4-BE49-F238E27FC236}">
-                <a16:creationId xmlns:a16="http://schemas.microsoft.com/office/drawing/2014/main" xmlns="" id="{FED711D9-7B2B-4CDC-B1D9-C6BD6762F5B1}"/>
+                <a16:creationId xmlns="" xmlns:a16="http://schemas.microsoft.com/office/drawing/2014/main" id="{FED711D9-7B2B-4CDC-B1D9-C6BD6762F5B1}"/>
               </a:ext>
             </a:extLst>
           </p:cNvPr>
@@ -9156,7 +9203,7 @@
           <p:cNvPr id="12" name="Picture Placeholder 11">
             <a:extLst>
               <a:ext uri="{FF2B5EF4-FFF2-40B4-BE49-F238E27FC236}">
-                <a16:creationId xmlns:a16="http://schemas.microsoft.com/office/drawing/2014/main" xmlns="" id="{3048EC3D-A1B6-4C24-A5D4-39F822942C1E}"/>
+                <a16:creationId xmlns="" xmlns:a16="http://schemas.microsoft.com/office/drawing/2014/main" id="{3048EC3D-A1B6-4C24-A5D4-39F822942C1E}"/>
               </a:ext>
             </a:extLst>
           </p:cNvPr>
@@ -9285,8 +9332,14 @@
                 </a:solidFill>
                 <a:latin typeface="Garamond" panose="02020404030301010803" pitchFamily="18" charset="0"/>
               </a:rPr>
-              <a:t>UNKNOWN</a:t>
+              <a:t>FUTURE WORK</a:t>
             </a:r>
+            <a:endParaRPr lang="en-US" b="1" dirty="0" smtClean="0">
+              <a:solidFill>
+                <a:srgbClr val="1FC3AA"/>
+              </a:solidFill>
+              <a:latin typeface="Garamond" panose="02020404030301010803" pitchFamily="18" charset="0"/>
+            </a:endParaRPr>
           </a:p>
           <a:p>
             <a:pPr marL="285750" lvl="0" indent="-285750">
@@ -9633,7 +9686,7 @@
           <p:cNvPr id="23" name="Hexagon 22">
             <a:extLst>
               <a:ext uri="{FF2B5EF4-FFF2-40B4-BE49-F238E27FC236}">
-                <a16:creationId xmlns:a16="http://schemas.microsoft.com/office/drawing/2014/main" xmlns="" id="{98DFE31A-2BD8-4955-815F-B1317795BCDD}"/>
+                <a16:creationId xmlns="" xmlns:a16="http://schemas.microsoft.com/office/drawing/2014/main" id="{98DFE31A-2BD8-4955-815F-B1317795BCDD}"/>
               </a:ext>
             </a:extLst>
           </p:cNvPr>
@@ -9685,7 +9738,7 @@
           <p:cNvPr id="8" name="Picture Placeholder 7">
             <a:extLst>
               <a:ext uri="{FF2B5EF4-FFF2-40B4-BE49-F238E27FC236}">
-                <a16:creationId xmlns:a16="http://schemas.microsoft.com/office/drawing/2014/main" xmlns="" id="{097D0C8C-1A05-4F38-9733-487273C0206A}"/>
+                <a16:creationId xmlns="" xmlns:a16="http://schemas.microsoft.com/office/drawing/2014/main" id="{097D0C8C-1A05-4F38-9733-487273C0206A}"/>
               </a:ext>
             </a:extLst>
           </p:cNvPr>
@@ -9943,7 +9996,7 @@
           <p:cNvPr id="34" name="Hexagon 33">
             <a:extLst>
               <a:ext uri="{FF2B5EF4-FFF2-40B4-BE49-F238E27FC236}">
-                <a16:creationId xmlns:a16="http://schemas.microsoft.com/office/drawing/2014/main" xmlns="" id="{69D28CA9-2E0A-4BE1-A400-A4A55513FB12}"/>
+                <a16:creationId xmlns="" xmlns:a16="http://schemas.microsoft.com/office/drawing/2014/main" id="{69D28CA9-2E0A-4BE1-A400-A4A55513FB12}"/>
               </a:ext>
             </a:extLst>
           </p:cNvPr>
@@ -9995,7 +10048,7 @@
           <p:cNvPr id="25" name="Picture Placeholder 24">
             <a:extLst>
               <a:ext uri="{FF2B5EF4-FFF2-40B4-BE49-F238E27FC236}">
-                <a16:creationId xmlns:a16="http://schemas.microsoft.com/office/drawing/2014/main" xmlns="" id="{DAC917E3-E54A-4644-BC5A-30EEE1C001E9}"/>
+                <a16:creationId xmlns="" xmlns:a16="http://schemas.microsoft.com/office/drawing/2014/main" id="{DAC917E3-E54A-4644-BC5A-30EEE1C001E9}"/>
               </a:ext>
             </a:extLst>
           </p:cNvPr>
@@ -10030,7 +10083,7 @@
           <p:cNvPr id="28" name="Picture Placeholder 27">
             <a:extLst>
               <a:ext uri="{FF2B5EF4-FFF2-40B4-BE49-F238E27FC236}">
-                <a16:creationId xmlns:a16="http://schemas.microsoft.com/office/drawing/2014/main" xmlns="" id="{FED711D9-7B2B-4CDC-B1D9-C6BD6762F5B1}"/>
+                <a16:creationId xmlns="" xmlns:a16="http://schemas.microsoft.com/office/drawing/2014/main" id="{FED711D9-7B2B-4CDC-B1D9-C6BD6762F5B1}"/>
               </a:ext>
             </a:extLst>
           </p:cNvPr>
@@ -10065,7 +10118,7 @@
           <p:cNvPr id="12" name="Picture Placeholder 11">
             <a:extLst>
               <a:ext uri="{FF2B5EF4-FFF2-40B4-BE49-F238E27FC236}">
-                <a16:creationId xmlns:a16="http://schemas.microsoft.com/office/drawing/2014/main" xmlns="" id="{3048EC3D-A1B6-4C24-A5D4-39F822942C1E}"/>
+                <a16:creationId xmlns="" xmlns:a16="http://schemas.microsoft.com/office/drawing/2014/main" id="{3048EC3D-A1B6-4C24-A5D4-39F822942C1E}"/>
               </a:ext>
             </a:extLst>
           </p:cNvPr>
